--- a/Slide/BaoCao6.pptx
+++ b/Slide/BaoCao6.pptx
@@ -7,12 +7,9 @@
   <p:sldIdLst>
     <p:sldId id="256" r:id="rId2"/>
     <p:sldId id="257" r:id="rId3"/>
-    <p:sldId id="259" r:id="rId4"/>
-    <p:sldId id="264" r:id="rId5"/>
+    <p:sldId id="258" r:id="rId4"/>
+    <p:sldId id="259" r:id="rId5"/>
     <p:sldId id="260" r:id="rId6"/>
-    <p:sldId id="261" r:id="rId7"/>
-    <p:sldId id="262" r:id="rId8"/>
-    <p:sldId id="263" r:id="rId9"/>
   </p:sldIdLst>
   <p:sldSz cx="12192000" cy="6858000"/>
   <p:notesSz cx="6858000" cy="9144000"/>
@@ -1330,7 +1327,7 @@
           <a:p>
             <a:fld id="{AE075753-BCC9-4669-B4EF-6C89DA009745}" type="datetimeFigureOut">
               <a:rPr lang="en-US" smtClean="0"/>
-              <a:t>4/14/2017</a:t>
+              <a:t>4/21/2017</a:t>
             </a:fld>
             <a:endParaRPr lang="en-US"/>
           </a:p>
@@ -1568,7 +1565,7 @@
           <a:p>
             <a:fld id="{AE075753-BCC9-4669-B4EF-6C89DA009745}" type="datetimeFigureOut">
               <a:rPr lang="en-US" smtClean="0"/>
-              <a:t>4/14/2017</a:t>
+              <a:t>4/21/2017</a:t>
             </a:fld>
             <a:endParaRPr lang="en-US"/>
           </a:p>
@@ -1748,7 +1745,7 @@
           <a:p>
             <a:fld id="{AE075753-BCC9-4669-B4EF-6C89DA009745}" type="datetimeFigureOut">
               <a:rPr lang="en-US" smtClean="0"/>
-              <a:t>4/14/2017</a:t>
+              <a:t>4/21/2017</a:t>
             </a:fld>
             <a:endParaRPr lang="en-US"/>
           </a:p>
@@ -1918,7 +1915,7 @@
           <a:p>
             <a:fld id="{AE075753-BCC9-4669-B4EF-6C89DA009745}" type="datetimeFigureOut">
               <a:rPr lang="en-US" smtClean="0"/>
-              <a:t>4/14/2017</a:t>
+              <a:t>4/21/2017</a:t>
             </a:fld>
             <a:endParaRPr lang="en-US"/>
           </a:p>
@@ -2191,7 +2188,7 @@
           <a:p>
             <a:fld id="{AE075753-BCC9-4669-B4EF-6C89DA009745}" type="datetimeFigureOut">
               <a:rPr lang="en-US" smtClean="0"/>
-              <a:t>4/14/2017</a:t>
+              <a:t>4/21/2017</a:t>
             </a:fld>
             <a:endParaRPr lang="en-US"/>
           </a:p>
@@ -3392,7 +3389,7 @@
           <a:p>
             <a:fld id="{AE075753-BCC9-4669-B4EF-6C89DA009745}" type="datetimeFigureOut">
               <a:rPr lang="en-US" smtClean="0"/>
-              <a:t>4/14/2017</a:t>
+              <a:t>4/21/2017</a:t>
             </a:fld>
             <a:endParaRPr lang="en-US"/>
           </a:p>
@@ -3782,7 +3779,7 @@
           <a:p>
             <a:fld id="{AE075753-BCC9-4669-B4EF-6C89DA009745}" type="datetimeFigureOut">
               <a:rPr lang="en-US" smtClean="0"/>
-              <a:t>4/14/2017</a:t>
+              <a:t>4/21/2017</a:t>
             </a:fld>
             <a:endParaRPr lang="en-US"/>
           </a:p>
@@ -3905,7 +3902,7 @@
           <a:p>
             <a:fld id="{AE075753-BCC9-4669-B4EF-6C89DA009745}" type="datetimeFigureOut">
               <a:rPr lang="en-US" smtClean="0"/>
-              <a:t>4/14/2017</a:t>
+              <a:t>4/21/2017</a:t>
             </a:fld>
             <a:endParaRPr lang="en-US"/>
           </a:p>
@@ -4000,7 +3997,7 @@
           <a:p>
             <a:fld id="{AE075753-BCC9-4669-B4EF-6C89DA009745}" type="datetimeFigureOut">
               <a:rPr lang="en-US" smtClean="0"/>
-              <a:t>4/14/2017</a:t>
+              <a:t>4/21/2017</a:t>
             </a:fld>
             <a:endParaRPr lang="en-US"/>
           </a:p>
@@ -4763,7 +4760,7 @@
           <a:p>
             <a:fld id="{AE075753-BCC9-4669-B4EF-6C89DA009745}" type="datetimeFigureOut">
               <a:rPr lang="en-US" smtClean="0"/>
-              <a:t>4/14/2017</a:t>
+              <a:t>4/21/2017</a:t>
             </a:fld>
             <a:endParaRPr lang="en-US"/>
           </a:p>
@@ -5603,7 +5600,7 @@
           <a:p>
             <a:fld id="{AE075753-BCC9-4669-B4EF-6C89DA009745}" type="datetimeFigureOut">
               <a:rPr lang="en-US" smtClean="0"/>
-              <a:t>4/14/2017</a:t>
+              <a:t>4/21/2017</a:t>
             </a:fld>
             <a:endParaRPr lang="en-US"/>
           </a:p>
@@ -5830,7 +5827,7 @@
           <a:p>
             <a:fld id="{AE075753-BCC9-4669-B4EF-6C89DA009745}" type="datetimeFigureOut">
               <a:rPr lang="en-US" smtClean="0"/>
-              <a:t>4/14/2017</a:t>
+              <a:t>4/21/2017</a:t>
             </a:fld>
             <a:endParaRPr lang="en-US"/>
           </a:p>
@@ -7256,7 +7253,7 @@
           <a:p>
             <a:r>
               <a:rPr lang="vi-VN" dirty="0" smtClean="0"/>
-              <a:t>What are we doing ?</a:t>
+              <a:t>What have we done ? </a:t>
             </a:r>
             <a:endParaRPr lang="en-US" dirty="0"/>
           </a:p>
@@ -7264,13 +7261,11 @@
       </p:sp>
       <p:pic>
         <p:nvPicPr>
-          <p:cNvPr id="3074" name="Picture 2" descr="Kết quả hình ảnh cho upgrade"/>
+          <p:cNvPr id="1026" name="Picture 2" descr="https://scontent.fsgn5-1.fna.fbcdn.net/v/t34.0-12/18052805_618109255066161_888959273_n.png?oh=725e3ed9106c9e86ba59f0064dd92a9f&amp;oe=58FC69B6"/>
           <p:cNvPicPr>
-            <a:picLocks noGrp="1" noChangeAspect="1" noChangeArrowheads="1"/>
+            <a:picLocks noChangeAspect="1" noChangeArrowheads="1"/>
           </p:cNvPicPr>
-          <p:nvPr>
-            <p:ph idx="1"/>
-          </p:nvPr>
+          <p:nvPr/>
         </p:nvPicPr>
         <p:blipFill>
           <a:blip r:embed="rId2">
@@ -7287,8 +7282,8 @@
         </p:blipFill>
         <p:spPr bwMode="auto">
           <a:xfrm>
-            <a:off x="1698625" y="1612900"/>
-            <a:ext cx="2565400" cy="2565400"/>
+            <a:off x="1251678" y="1128451"/>
+            <a:ext cx="5724525" cy="2581276"/>
           </a:xfrm>
           <a:prstGeom prst="rect">
             <a:avLst/>
@@ -7305,16 +7300,78 @@
           </a:extLst>
         </p:spPr>
       </p:pic>
+      <p:sp>
+        <p:nvSpPr>
+          <p:cNvPr id="4" name="TextBox 3"/>
+          <p:cNvSpPr txBox="1"/>
+          <p:nvPr/>
+        </p:nvSpPr>
+        <p:spPr>
+          <a:xfrm>
+            <a:off x="7429500" y="1874517"/>
+            <a:ext cx="3492500" cy="369332"/>
+          </a:xfrm>
+          <a:prstGeom prst="rect">
+            <a:avLst/>
+          </a:prstGeom>
+          <a:noFill/>
+        </p:spPr>
+        <p:txBody>
+          <a:bodyPr wrap="square" rtlCol="0">
+            <a:spAutoFit/>
+          </a:bodyPr>
+          <a:lstStyle/>
+          <a:p>
+            <a:r>
+              <a:rPr lang="vi-VN" dirty="0" smtClean="0"/>
+              <a:t> D</a:t>
+            </a:r>
+            <a:r>
+              <a:rPr lang="en-US" dirty="0" err="1" smtClean="0"/>
+              <a:t>ùng</a:t>
+            </a:r>
+            <a:r>
+              <a:rPr lang="en-US" dirty="0" smtClean="0"/>
+              <a:t> </a:t>
+            </a:r>
+            <a:r>
+              <a:rPr lang="en-US" dirty="0"/>
+              <a:t>timer </a:t>
+            </a:r>
+            <a:r>
+              <a:rPr lang="en-US" dirty="0" err="1"/>
+              <a:t>để</a:t>
+            </a:r>
+            <a:r>
+              <a:rPr lang="en-US" dirty="0"/>
+              <a:t> crawl tin </a:t>
+            </a:r>
+            <a:r>
+              <a:rPr lang="en-US" dirty="0" err="1"/>
+              <a:t>định</a:t>
+            </a:r>
+            <a:r>
+              <a:rPr lang="en-US" dirty="0"/>
+              <a:t> </a:t>
+            </a:r>
+            <a:r>
+              <a:rPr lang="en-US" dirty="0" err="1"/>
+              <a:t>kỳ</a:t>
+            </a:r>
+            <a:endParaRPr lang="en-US" dirty="0"/>
+          </a:p>
+        </p:txBody>
+      </p:sp>
       <p:pic>
         <p:nvPicPr>
-          <p:cNvPr id="3076" name="Picture 4" descr="Kết quả hình ảnh cho fix bug"/>
+          <p:cNvPr id="1028" name="Picture 4" descr="https://scontent.fsgn5-1.fna.fbcdn.net/v/t34.0-12/18052805_618109255066161_888959273_n.png?oh=725e3ed9106c9e86ba59f0064dd92a9f&amp;oe=58FC69B6"/>
           <p:cNvPicPr>
             <a:picLocks noChangeAspect="1" noChangeArrowheads="1"/>
           </p:cNvPicPr>
           <p:nvPr/>
         </p:nvPicPr>
         <p:blipFill>
-          <a:blip r:embed="rId3">
+          <a:blip r:embed="rId2">
             <a:extLst>
               <a:ext uri="{28A0092B-C50C-407E-A947-70E740481C1C}">
                 <a14:useLocalDpi xmlns:a14="http://schemas.microsoft.com/office/drawing/2010/main" val="0"/>
@@ -7328,8 +7385,8 @@
         </p:blipFill>
         <p:spPr bwMode="auto">
           <a:xfrm>
-            <a:off x="6708775" y="1612900"/>
-            <a:ext cx="3864428" cy="4508500"/>
+            <a:off x="4999037" y="3709727"/>
+            <a:ext cx="5724525" cy="2581276"/>
           </a:xfrm>
           <a:prstGeom prst="rect">
             <a:avLst/>
@@ -7348,14 +7405,14 @@
       </p:pic>
       <p:sp>
         <p:nvSpPr>
-          <p:cNvPr id="4" name="TextBox 3"/>
+          <p:cNvPr id="7" name="TextBox 6"/>
           <p:cNvSpPr txBox="1"/>
           <p:nvPr/>
         </p:nvSpPr>
         <p:spPr>
           <a:xfrm>
-            <a:off x="1600200" y="4699000"/>
-            <a:ext cx="3213100" cy="1754326"/>
+            <a:off x="1506537" y="4842882"/>
+            <a:ext cx="3492500" cy="646331"/>
           </a:xfrm>
           <a:prstGeom prst="rect">
             <a:avLst/>
@@ -7368,51 +7425,100 @@
           </a:bodyPr>
           <a:lstStyle/>
           <a:p>
-            <a:pPr marL="285750" indent="-285750">
-              <a:buFontTx/>
-              <a:buChar char="-"/>
-            </a:pPr>
             <a:r>
               <a:rPr lang="vi-VN" dirty="0" smtClean="0"/>
-              <a:t>News Zing</a:t>
-            </a:r>
-          </a:p>
-          <a:p>
-            <a:pPr marL="285750" indent="-285750">
-              <a:buFontTx/>
-              <a:buChar char="-"/>
-            </a:pPr>
+              <a:t> </a:t>
+            </a:r>
+            <a:r>
+              <a:rPr lang="vi-VN" dirty="0"/>
+              <a:t>X</a:t>
+            </a:r>
+            <a:r>
+              <a:rPr lang="en-US" dirty="0" smtClean="0"/>
+              <a:t>ử </a:t>
+            </a:r>
+            <a:r>
+              <a:rPr lang="en-US" dirty="0" err="1"/>
+              <a:t>lý</a:t>
+            </a:r>
+            <a:r>
+              <a:rPr lang="en-US" dirty="0"/>
+              <a:t> message </a:t>
+            </a:r>
+            <a:r>
+              <a:rPr lang="en-US" dirty="0" err="1"/>
+              <a:t>từ</a:t>
+            </a:r>
+            <a:r>
+              <a:rPr lang="en-US" dirty="0"/>
+              <a:t> client </a:t>
+            </a:r>
+            <a:r>
+              <a:rPr lang="en-US" dirty="0" err="1"/>
+              <a:t>bằng</a:t>
+            </a:r>
+            <a:r>
+              <a:rPr lang="en-US" dirty="0"/>
+              <a:t> thread</a:t>
+            </a:r>
+            <a:endParaRPr lang="en-US" dirty="0"/>
+          </a:p>
+        </p:txBody>
+      </p:sp>
+      <p:sp>
+        <p:nvSpPr>
+          <p:cNvPr id="9" name="TextBox 8"/>
+          <p:cNvSpPr txBox="1"/>
+          <p:nvPr/>
+        </p:nvSpPr>
+        <p:spPr>
+          <a:xfrm>
+            <a:off x="7429500" y="2243849"/>
+            <a:ext cx="3492500" cy="369332"/>
+          </a:xfrm>
+          <a:prstGeom prst="rect">
+            <a:avLst/>
+          </a:prstGeom>
+          <a:noFill/>
+        </p:spPr>
+        <p:txBody>
+          <a:bodyPr wrap="square" rtlCol="0">
+            <a:spAutoFit/>
+          </a:bodyPr>
+          <a:lstStyle/>
+          <a:p>
             <a:r>
               <a:rPr lang="vi-VN" dirty="0" smtClean="0"/>
-              <a:t>Bao Moi </a:t>
-            </a:r>
-            <a:endParaRPr lang="vi-VN" dirty="0" smtClean="0"/>
-          </a:p>
-          <a:p>
-            <a:pPr marL="285750" indent="-285750">
-              <a:buFontTx/>
-              <a:buChar char="-"/>
-            </a:pPr>
-            <a:r>
-              <a:rPr lang="vi-VN" dirty="0" smtClean="0"/>
-              <a:t>Kênh 14</a:t>
-            </a:r>
-          </a:p>
-          <a:p>
-            <a:endParaRPr lang="vi-VN" dirty="0" smtClean="0"/>
-          </a:p>
-          <a:p>
-            <a:pPr marL="285750" indent="-285750">
-              <a:buFontTx/>
-              <a:buChar char="-"/>
-            </a:pPr>
-            <a:endParaRPr lang="vi-VN" dirty="0" smtClean="0"/>
-          </a:p>
-          <a:p>
-            <a:pPr marL="285750" indent="-285750">
-              <a:buFontTx/>
-              <a:buChar char="-"/>
-            </a:pPr>
+              <a:t> </a:t>
+            </a:r>
+            <a:r>
+              <a:rPr lang="vi-VN" dirty="0"/>
+              <a:t>T</a:t>
+            </a:r>
+            <a:r>
+              <a:rPr lang="en-US" dirty="0" err="1" smtClean="0"/>
+              <a:t>ích</a:t>
+            </a:r>
+            <a:r>
+              <a:rPr lang="en-US" dirty="0" smtClean="0"/>
+              <a:t> </a:t>
+            </a:r>
+            <a:r>
+              <a:rPr lang="en-US" dirty="0" err="1"/>
+              <a:t>hợp</a:t>
+            </a:r>
+            <a:r>
+              <a:rPr lang="en-US" dirty="0"/>
+              <a:t> crawler </a:t>
+            </a:r>
+            <a:r>
+              <a:rPr lang="en-US" dirty="0" err="1"/>
+              <a:t>vào</a:t>
+            </a:r>
+            <a:r>
+              <a:rPr lang="en-US" dirty="0"/>
+              <a:t> server</a:t>
+            </a:r>
             <a:endParaRPr lang="en-US" dirty="0"/>
           </a:p>
         </p:txBody>
@@ -7420,20 +7526,13 @@
     </p:spTree>
     <p:extLst>
       <p:ext uri="{BB962C8B-B14F-4D97-AF65-F5344CB8AC3E}">
-        <p14:creationId xmlns:p14="http://schemas.microsoft.com/office/powerpoint/2010/main" val="2198137861"/>
+        <p14:creationId xmlns:p14="http://schemas.microsoft.com/office/powerpoint/2010/main" val="1197094622"/>
       </p:ext>
     </p:extLst>
   </p:cSld>
   <p:clrMapOvr>
     <a:masterClrMapping/>
   </p:clrMapOvr>
-  <p:timing>
-    <p:tnLst>
-      <p:par>
-        <p:cTn id="1" dur="indefinite" restart="never" nodeType="tmRoot"/>
-      </p:par>
-    </p:tnLst>
-  </p:timing>
 </p:sld>
 </file>
 
@@ -7471,7 +7570,67 @@
           <a:p>
             <a:r>
               <a:rPr lang="vi-VN" dirty="0" smtClean="0"/>
-              <a:t>VN Express</a:t>
+              <a:t>What have we done ? </a:t>
+            </a:r>
+            <a:endParaRPr lang="en-US" dirty="0"/>
+          </a:p>
+        </p:txBody>
+      </p:sp>
+      <p:sp>
+        <p:nvSpPr>
+          <p:cNvPr id="4" name="TextBox 3"/>
+          <p:cNvSpPr txBox="1"/>
+          <p:nvPr/>
+        </p:nvSpPr>
+        <p:spPr>
+          <a:xfrm>
+            <a:off x="7035800" y="1550900"/>
+            <a:ext cx="3492500" cy="369332"/>
+          </a:xfrm>
+          <a:prstGeom prst="rect">
+            <a:avLst/>
+          </a:prstGeom>
+          <a:noFill/>
+        </p:spPr>
+        <p:txBody>
+          <a:bodyPr wrap="square" rtlCol="0">
+            <a:spAutoFit/>
+          </a:bodyPr>
+          <a:lstStyle/>
+          <a:p>
+            <a:r>
+              <a:rPr lang="vi-VN" dirty="0" smtClean="0"/>
+              <a:t> Search News </a:t>
+            </a:r>
+            <a:endParaRPr lang="en-US" dirty="0"/>
+          </a:p>
+        </p:txBody>
+      </p:sp>
+      <p:sp>
+        <p:nvSpPr>
+          <p:cNvPr id="7" name="TextBox 6"/>
+          <p:cNvSpPr txBox="1"/>
+          <p:nvPr/>
+        </p:nvSpPr>
+        <p:spPr>
+          <a:xfrm>
+            <a:off x="1506537" y="4842882"/>
+            <a:ext cx="3492500" cy="369332"/>
+          </a:xfrm>
+          <a:prstGeom prst="rect">
+            <a:avLst/>
+          </a:prstGeom>
+          <a:noFill/>
+        </p:spPr>
+        <p:txBody>
+          <a:bodyPr wrap="square" rtlCol="0">
+            <a:spAutoFit/>
+          </a:bodyPr>
+          <a:lstStyle/>
+          <a:p>
+            <a:r>
+              <a:rPr lang="vi-VN" dirty="0" smtClean="0"/>
+              <a:t> </a:t>
             </a:r>
             <a:endParaRPr lang="en-US" dirty="0"/>
           </a:p>
@@ -7479,13 +7638,11 @@
       </p:sp>
       <p:pic>
         <p:nvPicPr>
-          <p:cNvPr id="3074" name="Picture 2" descr="https://scontent.fsgn2-1.fna.fbcdn.net/v/t35.0-12/17917021_614349412108812_1023093510_o.png?oh=47cab9e220cd1b944b24a3ee95bfe9a9&amp;oe=58F33A34"/>
+          <p:cNvPr id="2050" name="Picture 2" descr="https://scontent.fsgn5-1.fna.fbcdn.net/v/t34.0-12/18035326_618110468399373_206370886_n.png?oh=ba81df502e4d03c183235490da578ba7&amp;oe=58FB5648"/>
           <p:cNvPicPr>
-            <a:picLocks noGrp="1" noChangeAspect="1" noChangeArrowheads="1"/>
+            <a:picLocks noChangeAspect="1" noChangeArrowheads="1"/>
           </p:cNvPicPr>
-          <p:nvPr>
-            <p:ph idx="1"/>
-          </p:nvPr>
+          <p:nvPr/>
         </p:nvPicPr>
         <p:blipFill>
           <a:blip r:embed="rId2">
@@ -7502,8 +7659,8 @@
         </p:blipFill>
         <p:spPr bwMode="auto">
           <a:xfrm>
-            <a:off x="6207328" y="3741417"/>
-            <a:ext cx="5645505" cy="3200400"/>
+            <a:off x="1692275" y="1150616"/>
+            <a:ext cx="5229225" cy="1447801"/>
           </a:xfrm>
           <a:prstGeom prst="rect">
             <a:avLst/>
@@ -7522,32 +7679,131 @@
       </p:pic>
       <p:pic>
         <p:nvPicPr>
-          <p:cNvPr id="4" name="Picture 3"/>
+          <p:cNvPr id="2052" name="Picture 4" descr="https://scontent.fsgn5-1.fna.fbcdn.net/v/t34.0-12/18073504_618115191732234_510121091_n.png?oh=19ebaf89457cbaf1c0790f515f36412b&amp;oe=58FC4C89"/>
           <p:cNvPicPr>
-            <a:picLocks noChangeAspect="1"/>
+            <a:picLocks noChangeAspect="1" noChangeArrowheads="1"/>
           </p:cNvPicPr>
           <p:nvPr/>
         </p:nvPicPr>
         <p:blipFill>
-          <a:blip r:embed="rId3"/>
+          <a:blip r:embed="rId3" cstate="print">
+            <a:extLst>
+              <a:ext uri="{28A0092B-C50C-407E-A947-70E740481C1C}">
+                <a14:useLocalDpi xmlns:a14="http://schemas.microsoft.com/office/drawing/2010/main" val="0"/>
+              </a:ext>
+            </a:extLst>
+          </a:blip>
+          <a:srcRect/>
           <a:stretch>
             <a:fillRect/>
           </a:stretch>
         </p:blipFill>
-        <p:spPr>
+        <p:spPr bwMode="auto">
           <a:xfrm>
-            <a:off x="1251678" y="1442717"/>
-            <a:ext cx="5903085" cy="3733800"/>
+            <a:off x="2057400" y="2737504"/>
+            <a:ext cx="2235200" cy="3973690"/>
           </a:xfrm>
           <a:prstGeom prst="rect">
             <a:avLst/>
           </a:prstGeom>
+          <a:noFill/>
+          <a:extLst>
+            <a:ext uri="{909E8E84-426E-40DD-AFC4-6F175D3DCCD1}">
+              <a14:hiddenFill xmlns:a14="http://schemas.microsoft.com/office/drawing/2010/main">
+                <a:solidFill>
+                  <a:srgbClr val="FFFFFF"/>
+                </a:solidFill>
+              </a14:hiddenFill>
+            </a:ext>
+          </a:extLst>
+        </p:spPr>
+      </p:pic>
+      <p:pic>
+        <p:nvPicPr>
+          <p:cNvPr id="2054" name="Picture 6" descr="https://scontent.fsgn5-1.fna.fbcdn.net/v/t34.0-12/18052936_618115135065573_1201048606_n.png?oh=9c68333b776b78867c4537aaaf0b4ebd&amp;oe=58FC6E5A"/>
+          <p:cNvPicPr>
+            <a:picLocks noChangeAspect="1" noChangeArrowheads="1"/>
+          </p:cNvPicPr>
+          <p:nvPr/>
+        </p:nvPicPr>
+        <p:blipFill>
+          <a:blip r:embed="rId4" cstate="print">
+            <a:extLst>
+              <a:ext uri="{28A0092B-C50C-407E-A947-70E740481C1C}">
+                <a14:useLocalDpi xmlns:a14="http://schemas.microsoft.com/office/drawing/2010/main" val="0"/>
+              </a:ext>
+            </a:extLst>
+          </a:blip>
+          <a:srcRect/>
+          <a:stretch>
+            <a:fillRect/>
+          </a:stretch>
+        </p:blipFill>
+        <p:spPr bwMode="auto">
+          <a:xfrm>
+            <a:off x="5223239" y="2737504"/>
+            <a:ext cx="2235200" cy="3973690"/>
+          </a:xfrm>
+          <a:prstGeom prst="rect">
+            <a:avLst/>
+          </a:prstGeom>
+          <a:noFill/>
+          <a:extLst>
+            <a:ext uri="{909E8E84-426E-40DD-AFC4-6F175D3DCCD1}">
+              <a14:hiddenFill xmlns:a14="http://schemas.microsoft.com/office/drawing/2010/main">
+                <a:solidFill>
+                  <a:srgbClr val="FFFFFF"/>
+                </a:solidFill>
+              </a14:hiddenFill>
+            </a:ext>
+          </a:extLst>
+        </p:spPr>
+      </p:pic>
+      <p:pic>
+        <p:nvPicPr>
+          <p:cNvPr id="2056" name="Picture 8" descr="https://scontent.fsgn5-1.fna.fbcdn.net/v/t34.0-12/18072510_618115155065571_381515271_n.png?oh=77f73c43a0e45d84e6718e67a53df716&amp;oe=58FB59A4"/>
+          <p:cNvPicPr>
+            <a:picLocks noChangeAspect="1" noChangeArrowheads="1"/>
+          </p:cNvPicPr>
+          <p:nvPr/>
+        </p:nvPicPr>
+        <p:blipFill>
+          <a:blip r:embed="rId5" cstate="print">
+            <a:extLst>
+              <a:ext uri="{28A0092B-C50C-407E-A947-70E740481C1C}">
+                <a14:useLocalDpi xmlns:a14="http://schemas.microsoft.com/office/drawing/2010/main" val="0"/>
+              </a:ext>
+            </a:extLst>
+          </a:blip>
+          <a:srcRect/>
+          <a:stretch>
+            <a:fillRect/>
+          </a:stretch>
+        </p:blipFill>
+        <p:spPr bwMode="auto">
+          <a:xfrm>
+            <a:off x="8782050" y="2737504"/>
+            <a:ext cx="2198720" cy="3908836"/>
+          </a:xfrm>
+          <a:prstGeom prst="rect">
+            <a:avLst/>
+          </a:prstGeom>
+          <a:noFill/>
+          <a:extLst>
+            <a:ext uri="{909E8E84-426E-40DD-AFC4-6F175D3DCCD1}">
+              <a14:hiddenFill xmlns:a14="http://schemas.microsoft.com/office/drawing/2010/main">
+                <a:solidFill>
+                  <a:srgbClr val="FFFFFF"/>
+                </a:solidFill>
+              </a14:hiddenFill>
+            </a:ext>
+          </a:extLst>
         </p:spPr>
       </p:pic>
     </p:spTree>
     <p:extLst>
       <p:ext uri="{BB962C8B-B14F-4D97-AF65-F5344CB8AC3E}">
-        <p14:creationId xmlns:p14="http://schemas.microsoft.com/office/powerpoint/2010/main" val="596326846"/>
+        <p14:creationId xmlns:p14="http://schemas.microsoft.com/office/powerpoint/2010/main" val="3207517733"/>
       </p:ext>
     </p:extLst>
   </p:cSld>
@@ -7584,474 +7840,47 @@
             <p:ph type="title"/>
           </p:nvPr>
         </p:nvSpPr>
+        <p:spPr>
+          <a:xfrm>
+            <a:off x="4713335" y="2691608"/>
+            <a:ext cx="10178322" cy="1492132"/>
+          </a:xfrm>
+        </p:spPr>
+        <p:txBody>
+          <a:bodyPr/>
+          <a:lstStyle/>
+          <a:p>
+            <a:r>
+              <a:rPr lang="vi-VN" dirty="0" smtClean="0"/>
+              <a:t>Testing </a:t>
+            </a:r>
+            <a:endParaRPr lang="en-US" dirty="0"/>
+          </a:p>
+        </p:txBody>
+      </p:sp>
+      <p:sp>
+        <p:nvSpPr>
+          <p:cNvPr id="3" name="Content Placeholder 2"/>
+          <p:cNvSpPr>
+            <a:spLocks noGrp="1"/>
+          </p:cNvSpPr>
+          <p:nvPr>
+            <p:ph idx="1"/>
+          </p:nvPr>
+        </p:nvSpPr>
         <p:spPr/>
         <p:txBody>
           <a:bodyPr/>
           <a:lstStyle/>
           <a:p>
-            <a:r>
-              <a:rPr lang="vi-VN" dirty="0" smtClean="0"/>
-              <a:t>Báo mới</a:t>
-            </a:r>
             <a:endParaRPr lang="en-US" dirty="0"/>
           </a:p>
         </p:txBody>
       </p:sp>
-      <p:pic>
-        <p:nvPicPr>
-          <p:cNvPr id="5" name="Content Placeholder 4"/>
-          <p:cNvPicPr>
-            <a:picLocks noGrp="1" noChangeAspect="1"/>
-          </p:cNvPicPr>
-          <p:nvPr>
-            <p:ph idx="1"/>
-          </p:nvPr>
-        </p:nvPicPr>
-        <p:blipFill>
-          <a:blip r:embed="rId2"/>
-          <a:stretch>
-            <a:fillRect/>
-          </a:stretch>
-        </p:blipFill>
-        <p:spPr>
-          <a:xfrm>
-            <a:off x="1251678" y="2738117"/>
-            <a:ext cx="4302502" cy="3594100"/>
-          </a:xfrm>
-          <a:prstGeom prst="rect">
-            <a:avLst/>
-          </a:prstGeom>
-        </p:spPr>
-      </p:pic>
-      <p:pic>
-        <p:nvPicPr>
-          <p:cNvPr id="1026" name="Picture 2" descr="https://scontent.fsgn2-1.fna.fbcdn.net/v/t34.0-12/17918847_614302432113510_1390372260_n.png?oh=556d0feaa59dc4760accbee4ab4509a0&amp;oe=58F31B49"/>
-          <p:cNvPicPr>
-            <a:picLocks noChangeAspect="1" noChangeArrowheads="1"/>
-          </p:cNvPicPr>
-          <p:nvPr/>
-        </p:nvPicPr>
-        <p:blipFill>
-          <a:blip r:embed="rId3">
-            <a:extLst>
-              <a:ext uri="{28A0092B-C50C-407E-A947-70E740481C1C}">
-                <a14:useLocalDpi xmlns:a14="http://schemas.microsoft.com/office/drawing/2010/main" val="0"/>
-              </a:ext>
-            </a:extLst>
-          </a:blip>
-          <a:srcRect/>
-          <a:stretch>
-            <a:fillRect/>
-          </a:stretch>
-        </p:blipFill>
-        <p:spPr bwMode="auto">
-          <a:xfrm>
-            <a:off x="5527675" y="156745"/>
-            <a:ext cx="5686425" cy="2581371"/>
-          </a:xfrm>
-          <a:prstGeom prst="rect">
-            <a:avLst/>
-          </a:prstGeom>
-          <a:noFill/>
-          <a:extLst>
-            <a:ext uri="{909E8E84-426E-40DD-AFC4-6F175D3DCCD1}">
-              <a14:hiddenFill xmlns:a14="http://schemas.microsoft.com/office/drawing/2010/main">
-                <a:solidFill>
-                  <a:srgbClr val="FFFFFF"/>
-                </a:solidFill>
-              </a14:hiddenFill>
-            </a:ext>
-          </a:extLst>
-        </p:spPr>
-      </p:pic>
     </p:spTree>
     <p:extLst>
       <p:ext uri="{BB962C8B-B14F-4D97-AF65-F5344CB8AC3E}">
-        <p14:creationId xmlns:p14="http://schemas.microsoft.com/office/powerpoint/2010/main" val="822217051"/>
-      </p:ext>
-    </p:extLst>
-  </p:cSld>
-  <p:clrMapOvr>
-    <a:masterClrMapping/>
-  </p:clrMapOvr>
-  <p:timing>
-    <p:tnLst>
-      <p:par>
-        <p:cTn id="1" dur="indefinite" restart="never" nodeType="tmRoot"/>
-      </p:par>
-    </p:tnLst>
-  </p:timing>
-</p:sld>
-</file>
-
-<file path=ppt/slides/slide6.xml><?xml version="1.0" encoding="utf-8"?>
-<p:sld xmlns:a="http://schemas.openxmlformats.org/drawingml/2006/main" xmlns:r="http://schemas.openxmlformats.org/officeDocument/2006/relationships" xmlns:p="http://schemas.openxmlformats.org/presentationml/2006/main">
-  <p:cSld>
-    <p:spTree>
-      <p:nvGrpSpPr>
-        <p:cNvPr id="1" name=""/>
-        <p:cNvGrpSpPr/>
-        <p:nvPr/>
-      </p:nvGrpSpPr>
-      <p:grpSpPr>
-        <a:xfrm>
-          <a:off x="0" y="0"/>
-          <a:ext cx="0" cy="0"/>
-          <a:chOff x="0" y="0"/>
-          <a:chExt cx="0" cy="0"/>
-        </a:xfrm>
-      </p:grpSpPr>
-      <p:sp>
-        <p:nvSpPr>
-          <p:cNvPr id="2" name="Title 1"/>
-          <p:cNvSpPr>
-            <a:spLocks noGrp="1"/>
-          </p:cNvSpPr>
-          <p:nvPr>
-            <p:ph type="title"/>
-          </p:nvPr>
-        </p:nvSpPr>
-        <p:spPr/>
-        <p:txBody>
-          <a:bodyPr/>
-          <a:lstStyle/>
-          <a:p>
-            <a:r>
-              <a:rPr lang="vi-VN" dirty="0" smtClean="0"/>
-              <a:t>Zing news</a:t>
-            </a:r>
-            <a:endParaRPr lang="en-US" dirty="0"/>
-          </a:p>
-        </p:txBody>
-      </p:sp>
-      <p:pic>
-        <p:nvPicPr>
-          <p:cNvPr id="4" name="Content Placeholder 3"/>
-          <p:cNvPicPr>
-            <a:picLocks noGrp="1" noChangeAspect="1"/>
-          </p:cNvPicPr>
-          <p:nvPr>
-            <p:ph idx="1"/>
-          </p:nvPr>
-        </p:nvPicPr>
-        <p:blipFill>
-          <a:blip r:embed="rId2"/>
-          <a:stretch>
-            <a:fillRect/>
-          </a:stretch>
-        </p:blipFill>
-        <p:spPr>
-          <a:xfrm>
-            <a:off x="1251678" y="1320800"/>
-            <a:ext cx="5583529" cy="3797300"/>
-          </a:xfrm>
-          <a:prstGeom prst="rect">
-            <a:avLst/>
-          </a:prstGeom>
-        </p:spPr>
-      </p:pic>
-      <p:pic>
-        <p:nvPicPr>
-          <p:cNvPr id="4098" name="Picture 2" descr="https://scontent.fsgn2-1.fna.fbcdn.net/v/t35.0-12/17916837_614349818775438_1587556740_o.png?oh=4712a4fc150022d70ee40d35b102725e&amp;oe=58F34FE1"/>
-          <p:cNvPicPr>
-            <a:picLocks noChangeAspect="1" noChangeArrowheads="1"/>
-          </p:cNvPicPr>
-          <p:nvPr/>
-        </p:nvPicPr>
-        <p:blipFill>
-          <a:blip r:embed="rId3">
-            <a:extLst>
-              <a:ext uri="{28A0092B-C50C-407E-A947-70E740481C1C}">
-                <a14:useLocalDpi xmlns:a14="http://schemas.microsoft.com/office/drawing/2010/main" val="0"/>
-              </a:ext>
-            </a:extLst>
-          </a:blip>
-          <a:srcRect/>
-          <a:stretch>
-            <a:fillRect/>
-          </a:stretch>
-        </p:blipFill>
-        <p:spPr bwMode="auto">
-          <a:xfrm>
-            <a:off x="4963034" y="2812932"/>
-            <a:ext cx="6642430" cy="3765550"/>
-          </a:xfrm>
-          <a:prstGeom prst="rect">
-            <a:avLst/>
-          </a:prstGeom>
-          <a:noFill/>
-          <a:extLst>
-            <a:ext uri="{909E8E84-426E-40DD-AFC4-6F175D3DCCD1}">
-              <a14:hiddenFill xmlns:a14="http://schemas.microsoft.com/office/drawing/2010/main">
-                <a:solidFill>
-                  <a:srgbClr val="FFFFFF"/>
-                </a:solidFill>
-              </a14:hiddenFill>
-            </a:ext>
-          </a:extLst>
-        </p:spPr>
-      </p:pic>
-    </p:spTree>
-    <p:extLst>
-      <p:ext uri="{BB962C8B-B14F-4D97-AF65-F5344CB8AC3E}">
-        <p14:creationId xmlns:p14="http://schemas.microsoft.com/office/powerpoint/2010/main" val="1204738142"/>
-      </p:ext>
-    </p:extLst>
-  </p:cSld>
-  <p:clrMapOvr>
-    <a:masterClrMapping/>
-  </p:clrMapOvr>
-</p:sld>
-</file>
-
-<file path=ppt/slides/slide7.xml><?xml version="1.0" encoding="utf-8"?>
-<p:sld xmlns:a="http://schemas.openxmlformats.org/drawingml/2006/main" xmlns:r="http://schemas.openxmlformats.org/officeDocument/2006/relationships" xmlns:p="http://schemas.openxmlformats.org/presentationml/2006/main">
-  <p:cSld>
-    <p:spTree>
-      <p:nvGrpSpPr>
-        <p:cNvPr id="1" name=""/>
-        <p:cNvGrpSpPr/>
-        <p:nvPr/>
-      </p:nvGrpSpPr>
-      <p:grpSpPr>
-        <a:xfrm>
-          <a:off x="0" y="0"/>
-          <a:ext cx="0" cy="0"/>
-          <a:chOff x="0" y="0"/>
-          <a:chExt cx="0" cy="0"/>
-        </a:xfrm>
-      </p:grpSpPr>
-      <p:sp>
-        <p:nvSpPr>
-          <p:cNvPr id="2" name="Title 1"/>
-          <p:cNvSpPr>
-            <a:spLocks noGrp="1"/>
-          </p:cNvSpPr>
-          <p:nvPr>
-            <p:ph type="title"/>
-          </p:nvPr>
-        </p:nvSpPr>
-        <p:spPr/>
-        <p:txBody>
-          <a:bodyPr/>
-          <a:lstStyle/>
-          <a:p>
-            <a:r>
-              <a:rPr lang="vi-VN" dirty="0" smtClean="0"/>
-              <a:t>Kênh 14 ( đang làm )</a:t>
-            </a:r>
-            <a:endParaRPr lang="en-US" dirty="0"/>
-          </a:p>
-        </p:txBody>
-      </p:sp>
-      <p:pic>
-        <p:nvPicPr>
-          <p:cNvPr id="4" name="Content Placeholder 3"/>
-          <p:cNvPicPr>
-            <a:picLocks noGrp="1" noChangeAspect="1"/>
-          </p:cNvPicPr>
-          <p:nvPr>
-            <p:ph idx="1"/>
-          </p:nvPr>
-        </p:nvPicPr>
-        <p:blipFill>
-          <a:blip r:embed="rId2"/>
-          <a:stretch>
-            <a:fillRect/>
-          </a:stretch>
-        </p:blipFill>
-        <p:spPr>
-          <a:xfrm>
-            <a:off x="1380462" y="2146300"/>
-            <a:ext cx="4867938" cy="3594100"/>
-          </a:xfrm>
-          <a:prstGeom prst="rect">
-            <a:avLst/>
-          </a:prstGeom>
-        </p:spPr>
-      </p:pic>
-    </p:spTree>
-    <p:extLst>
-      <p:ext uri="{BB962C8B-B14F-4D97-AF65-F5344CB8AC3E}">
-        <p14:creationId xmlns:p14="http://schemas.microsoft.com/office/powerpoint/2010/main" val="1058755169"/>
-      </p:ext>
-    </p:extLst>
-  </p:cSld>
-  <p:clrMapOvr>
-    <a:masterClrMapping/>
-  </p:clrMapOvr>
-</p:sld>
-</file>
-
-<file path=ppt/slides/slide8.xml><?xml version="1.0" encoding="utf-8"?>
-<p:sld xmlns:a="http://schemas.openxmlformats.org/drawingml/2006/main" xmlns:r="http://schemas.openxmlformats.org/officeDocument/2006/relationships" xmlns:p="http://schemas.openxmlformats.org/presentationml/2006/main">
-  <p:cSld>
-    <p:spTree>
-      <p:nvGrpSpPr>
-        <p:cNvPr id="1" name=""/>
-        <p:cNvGrpSpPr/>
-        <p:nvPr/>
-      </p:nvGrpSpPr>
-      <p:grpSpPr>
-        <a:xfrm>
-          <a:off x="0" y="0"/>
-          <a:ext cx="0" cy="0"/>
-          <a:chOff x="0" y="0"/>
-          <a:chExt cx="0" cy="0"/>
-        </a:xfrm>
-      </p:grpSpPr>
-      <p:sp>
-        <p:nvSpPr>
-          <p:cNvPr id="2" name="Title 1"/>
-          <p:cNvSpPr>
-            <a:spLocks noGrp="1"/>
-          </p:cNvSpPr>
-          <p:nvPr>
-            <p:ph type="title"/>
-          </p:nvPr>
-        </p:nvSpPr>
-        <p:spPr/>
-        <p:txBody>
-          <a:bodyPr/>
-          <a:lstStyle/>
-          <a:p>
-            <a:r>
-              <a:rPr lang="vi-VN" dirty="0" smtClean="0"/>
-              <a:t>Update app androi</a:t>
-            </a:r>
-            <a:endParaRPr lang="en-US" dirty="0"/>
-          </a:p>
-        </p:txBody>
-      </p:sp>
-      <p:pic>
-        <p:nvPicPr>
-          <p:cNvPr id="2050" name="Picture 2" descr="https://scontent.fhan4-1.fna.fbcdn.net/v/t34.0-12/17888214_621253148067603_1212108417_n.png?oh=2e6145aa654b0658f4b9643248a5cfb4&amp;oe=58F211E4"/>
-          <p:cNvPicPr>
-            <a:picLocks noGrp="1" noChangeAspect="1" noChangeArrowheads="1"/>
-          </p:cNvPicPr>
-          <p:nvPr>
-            <p:ph idx="1"/>
-          </p:nvPr>
-        </p:nvPicPr>
-        <p:blipFill>
-          <a:blip r:embed="rId2">
-            <a:extLst>
-              <a:ext uri="{28A0092B-C50C-407E-A947-70E740481C1C}">
-                <a14:useLocalDpi xmlns:a14="http://schemas.microsoft.com/office/drawing/2010/main" val="0"/>
-              </a:ext>
-            </a:extLst>
-          </a:blip>
-          <a:srcRect/>
-          <a:stretch>
-            <a:fillRect/>
-          </a:stretch>
-        </p:blipFill>
-        <p:spPr bwMode="auto">
-          <a:xfrm>
-            <a:off x="1587500" y="1379217"/>
-            <a:ext cx="2803055" cy="4983210"/>
-          </a:xfrm>
-          <a:prstGeom prst="rect">
-            <a:avLst/>
-          </a:prstGeom>
-          <a:noFill/>
-          <a:extLst>
-            <a:ext uri="{909E8E84-426E-40DD-AFC4-6F175D3DCCD1}">
-              <a14:hiddenFill xmlns:a14="http://schemas.microsoft.com/office/drawing/2010/main">
-                <a:solidFill>
-                  <a:srgbClr val="FFFFFF"/>
-                </a:solidFill>
-              </a14:hiddenFill>
-            </a:ext>
-          </a:extLst>
-        </p:spPr>
-      </p:pic>
-      <p:pic>
-        <p:nvPicPr>
-          <p:cNvPr id="2052" name="Picture 4" descr="https://scontent.fhan4-1.fna.fbcdn.net/v/t34.0-12/17888352_621246744734910_20526362_n.png?oh=2728097688529eff488dc381f61a3abd&amp;oe=58F2216C"/>
-          <p:cNvPicPr>
-            <a:picLocks noChangeAspect="1" noChangeArrowheads="1"/>
-          </p:cNvPicPr>
-          <p:nvPr/>
-        </p:nvPicPr>
-        <p:blipFill>
-          <a:blip r:embed="rId3">
-            <a:extLst>
-              <a:ext uri="{28A0092B-C50C-407E-A947-70E740481C1C}">
-                <a14:useLocalDpi xmlns:a14="http://schemas.microsoft.com/office/drawing/2010/main" val="0"/>
-              </a:ext>
-            </a:extLst>
-          </a:blip>
-          <a:srcRect/>
-          <a:stretch>
-            <a:fillRect/>
-          </a:stretch>
-        </p:blipFill>
-        <p:spPr bwMode="auto">
-          <a:xfrm>
-            <a:off x="4794565" y="1379217"/>
-            <a:ext cx="2803209" cy="4983483"/>
-          </a:xfrm>
-          <a:prstGeom prst="rect">
-            <a:avLst/>
-          </a:prstGeom>
-          <a:noFill/>
-          <a:extLst>
-            <a:ext uri="{909E8E84-426E-40DD-AFC4-6F175D3DCCD1}">
-              <a14:hiddenFill xmlns:a14="http://schemas.microsoft.com/office/drawing/2010/main">
-                <a:solidFill>
-                  <a:srgbClr val="FFFFFF"/>
-                </a:solidFill>
-              </a14:hiddenFill>
-            </a:ext>
-          </a:extLst>
-        </p:spPr>
-      </p:pic>
-      <p:pic>
-        <p:nvPicPr>
-          <p:cNvPr id="2054" name="Picture 6" descr="https://scontent.fhan4-1.fna.fbcdn.net/v/t34.0-12/17918366_621201878072730_13958025_n.png?oh=ddd7110b12d503922e26538baab56be6&amp;oe=58F344FC"/>
-          <p:cNvPicPr>
-            <a:picLocks noChangeAspect="1" noChangeArrowheads="1"/>
-          </p:cNvPicPr>
-          <p:nvPr/>
-        </p:nvPicPr>
-        <p:blipFill>
-          <a:blip r:embed="rId4">
-            <a:extLst>
-              <a:ext uri="{28A0092B-C50C-407E-A947-70E740481C1C}">
-                <a14:useLocalDpi xmlns:a14="http://schemas.microsoft.com/office/drawing/2010/main" val="0"/>
-              </a:ext>
-            </a:extLst>
-          </a:blip>
-          <a:srcRect/>
-          <a:stretch>
-            <a:fillRect/>
-          </a:stretch>
-        </p:blipFill>
-        <p:spPr bwMode="auto">
-          <a:xfrm>
-            <a:off x="8001784" y="1379217"/>
-            <a:ext cx="2844016" cy="5056029"/>
-          </a:xfrm>
-          <a:prstGeom prst="rect">
-            <a:avLst/>
-          </a:prstGeom>
-          <a:noFill/>
-          <a:extLst>
-            <a:ext uri="{909E8E84-426E-40DD-AFC4-6F175D3DCCD1}">
-              <a14:hiddenFill xmlns:a14="http://schemas.microsoft.com/office/drawing/2010/main">
-                <a:solidFill>
-                  <a:srgbClr val="FFFFFF"/>
-                </a:solidFill>
-              </a14:hiddenFill>
-            </a:ext>
-          </a:extLst>
-        </p:spPr>
-      </p:pic>
-    </p:spTree>
-    <p:extLst>
-      <p:ext uri="{BB962C8B-B14F-4D97-AF65-F5344CB8AC3E}">
-        <p14:creationId xmlns:p14="http://schemas.microsoft.com/office/powerpoint/2010/main" val="192461619"/>
+        <p14:creationId xmlns:p14="http://schemas.microsoft.com/office/powerpoint/2010/main" val="1974855531"/>
       </p:ext>
     </p:extLst>
   </p:cSld>
